--- a/powerpoint/2_Getting_connected.pptx
+++ b/powerpoint/2_Getting_connected.pptx
@@ -3414,7 +3414,7 @@
         </p:spPr>
         <p:txBody>
           <a:bodyPr>
-            <a:normAutofit lnSpcReduction="10000"/>
+            <a:normAutofit/>
           </a:bodyPr>
           <a:lstStyle/>
           <a:p>
@@ -3489,6 +3489,12 @@
             </a:r>
           </a:p>
           <a:p>
+            <a:r>
+              <a:rPr lang="en-GB" dirty="0"/>
+              <a:t>Mac/ Linux: </a:t>
+            </a:r>
+          </a:p>
+          <a:p>
             <a:pPr marL="0" indent="0">
               <a:buNone/>
             </a:pPr>
@@ -3521,57 +3527,6 @@
             </a:pPr>
             <a:r>
               <a:rPr lang="en-GB" dirty="0"/>
-              <a:t>	command line</a:t>
-            </a:r>
-          </a:p>
-          <a:p>
-            <a:pPr marL="0" indent="0">
-              <a:buNone/>
-            </a:pPr>
-            <a:r>
-              <a:rPr lang="en-GB" dirty="0"/>
-              <a:t>	Samba does not currently work on Windows (for us)</a:t>
-            </a:r>
-          </a:p>
-          <a:p>
-            <a:r>
-              <a:rPr lang="en-GB" dirty="0"/>
-              <a:t>Mac/ Linux: </a:t>
-            </a:r>
-          </a:p>
-          <a:p>
-            <a:pPr marL="0" indent="0">
-              <a:buNone/>
-            </a:pPr>
-            <a:r>
-              <a:rPr lang="en-GB" dirty="0"/>
-              <a:t>	</a:t>
-            </a:r>
-            <a:r>
-              <a:rPr lang="en-GB" dirty="0" err="1"/>
-              <a:t>Cyberduck</a:t>
-            </a:r>
-            <a:r>
-              <a:rPr lang="en-GB" dirty="0"/>
-              <a:t> </a:t>
-            </a:r>
-            <a:r>
-              <a:rPr lang="en-GB" dirty="0">
-                <a:hlinkClick r:id="rId5"/>
-              </a:rPr>
-              <a:t>https://cyberduck.io/</a:t>
-            </a:r>
-            <a:r>
-              <a:rPr lang="en-GB" dirty="0"/>
-              <a:t> </a:t>
-            </a:r>
-          </a:p>
-          <a:p>
-            <a:pPr marL="0" indent="0">
-              <a:buNone/>
-            </a:pPr>
-            <a:r>
-              <a:rPr lang="en-GB" dirty="0"/>
               <a:t>		command line </a:t>
             </a:r>
           </a:p>
@@ -3586,7 +3541,7 @@
             </a:r>
             <a:r>
               <a:rPr lang="en-GB" dirty="0"/>
-              <a:t>, Python 3, Editor or choice (Windows: Notepad++, Linux </a:t>
+              <a:t>, (Windows: Notepad++, Linux </a:t>
             </a:r>
             <a:r>
               <a:rPr lang="en-GB" dirty="0" err="1"/>
@@ -4195,13 +4150,13 @@
               </a:ext>
             </a:extLst>
           </a:blip>
-          <a:srcRect/>
+          <a:srcRect t="61522" r="1482"/>
           <a:stretch/>
         </p:blipFill>
         <p:spPr>
           <a:xfrm>
-            <a:off x="2044700" y="2984500"/>
-            <a:ext cx="6515100" cy="3505200"/>
+            <a:off x="1397000" y="3383280"/>
+            <a:ext cx="10206567" cy="2144712"/>
           </a:xfrm>
           <a:prstGeom prst="rect">
             <a:avLst/>
@@ -4443,7 +4398,15 @@
           <a:p>
             <a:r>
               <a:rPr lang="en-US" dirty="0"/>
-              <a:t>You automatically log into your home directory ($HOME, ~)</a:t>
+              <a:t>You automatically log into your home directory </a:t>
+            </a:r>
+            <a:r>
+              <a:rPr lang="en-US" dirty="0">
+                <a:solidFill>
+                  <a:srgbClr val="FF0000"/>
+                </a:solidFill>
+              </a:rPr>
+              <a:t>($HOME, ~)</a:t>
             </a:r>
           </a:p>
           <a:p>

--- a/powerpoint/2_Getting_connected.pptx
+++ b/powerpoint/2_Getting_connected.pptx
@@ -266,7 +266,7 @@
           <a:p>
             <a:fld id="{A533EB26-2E25-4466-BA1F-4ED20A958A47}" type="datetimeFigureOut">
               <a:rPr lang="en-GB" smtClean="0"/>
-              <a:t>28/09/2020</a:t>
+              <a:t>05/10/2020</a:t>
             </a:fld>
             <a:endParaRPr lang="en-GB"/>
           </a:p>
@@ -466,7 +466,7 @@
           <a:p>
             <a:fld id="{A533EB26-2E25-4466-BA1F-4ED20A958A47}" type="datetimeFigureOut">
               <a:rPr lang="en-GB" smtClean="0"/>
-              <a:t>28/09/2020</a:t>
+              <a:t>05/10/2020</a:t>
             </a:fld>
             <a:endParaRPr lang="en-GB"/>
           </a:p>
@@ -676,7 +676,7 @@
           <a:p>
             <a:fld id="{A533EB26-2E25-4466-BA1F-4ED20A958A47}" type="datetimeFigureOut">
               <a:rPr lang="en-GB" smtClean="0"/>
-              <a:t>28/09/2020</a:t>
+              <a:t>05/10/2020</a:t>
             </a:fld>
             <a:endParaRPr lang="en-GB"/>
           </a:p>
@@ -876,7 +876,7 @@
           <a:p>
             <a:fld id="{A533EB26-2E25-4466-BA1F-4ED20A958A47}" type="datetimeFigureOut">
               <a:rPr lang="en-GB" smtClean="0"/>
-              <a:t>28/09/2020</a:t>
+              <a:t>05/10/2020</a:t>
             </a:fld>
             <a:endParaRPr lang="en-GB"/>
           </a:p>
@@ -1152,7 +1152,7 @@
           <a:p>
             <a:fld id="{A533EB26-2E25-4466-BA1F-4ED20A958A47}" type="datetimeFigureOut">
               <a:rPr lang="en-GB" smtClean="0"/>
-              <a:t>28/09/2020</a:t>
+              <a:t>05/10/2020</a:t>
             </a:fld>
             <a:endParaRPr lang="en-GB"/>
           </a:p>
@@ -1420,7 +1420,7 @@
           <a:p>
             <a:fld id="{A533EB26-2E25-4466-BA1F-4ED20A958A47}" type="datetimeFigureOut">
               <a:rPr lang="en-GB" smtClean="0"/>
-              <a:t>28/09/2020</a:t>
+              <a:t>05/10/2020</a:t>
             </a:fld>
             <a:endParaRPr lang="en-GB"/>
           </a:p>
@@ -1835,7 +1835,7 @@
           <a:p>
             <a:fld id="{A533EB26-2E25-4466-BA1F-4ED20A958A47}" type="datetimeFigureOut">
               <a:rPr lang="en-GB" smtClean="0"/>
-              <a:t>28/09/2020</a:t>
+              <a:t>05/10/2020</a:t>
             </a:fld>
             <a:endParaRPr lang="en-GB"/>
           </a:p>
@@ -1977,7 +1977,7 @@
           <a:p>
             <a:fld id="{A533EB26-2E25-4466-BA1F-4ED20A958A47}" type="datetimeFigureOut">
               <a:rPr lang="en-GB" smtClean="0"/>
-              <a:t>28/09/2020</a:t>
+              <a:t>05/10/2020</a:t>
             </a:fld>
             <a:endParaRPr lang="en-GB"/>
           </a:p>
@@ -2090,7 +2090,7 @@
           <a:p>
             <a:fld id="{A533EB26-2E25-4466-BA1F-4ED20A958A47}" type="datetimeFigureOut">
               <a:rPr lang="en-GB" smtClean="0"/>
-              <a:t>28/09/2020</a:t>
+              <a:t>05/10/2020</a:t>
             </a:fld>
             <a:endParaRPr lang="en-GB"/>
           </a:p>
@@ -2403,7 +2403,7 @@
           <a:p>
             <a:fld id="{A533EB26-2E25-4466-BA1F-4ED20A958A47}" type="datetimeFigureOut">
               <a:rPr lang="en-GB" smtClean="0"/>
-              <a:t>28/09/2020</a:t>
+              <a:t>05/10/2020</a:t>
             </a:fld>
             <a:endParaRPr lang="en-GB"/>
           </a:p>
@@ -2692,7 +2692,7 @@
           <a:p>
             <a:fld id="{A533EB26-2E25-4466-BA1F-4ED20A958A47}" type="datetimeFigureOut">
               <a:rPr lang="en-GB" smtClean="0"/>
-              <a:t>28/09/2020</a:t>
+              <a:t>05/10/2020</a:t>
             </a:fld>
             <a:endParaRPr lang="en-GB"/>
           </a:p>
@@ -2935,7 +2935,7 @@
           <a:p>
             <a:fld id="{A533EB26-2E25-4466-BA1F-4ED20A958A47}" type="datetimeFigureOut">
               <a:rPr lang="en-GB" smtClean="0"/>
-              <a:t>28/09/2020</a:t>
+              <a:t>05/10/2020</a:t>
             </a:fld>
             <a:endParaRPr lang="en-GB"/>
           </a:p>
@@ -3569,10 +3569,10 @@
           <p:nvPr/>
         </p:nvPicPr>
         <p:blipFill>
-          <a:blip r:embed="rId6">
+          <a:blip r:embed="rId6" cstate="screen">
             <a:extLst>
               <a:ext uri="{28A0092B-C50C-407E-A947-70E740481C1C}">
-                <a14:useLocalDpi xmlns:a14="http://schemas.microsoft.com/office/drawing/2010/main" val="0"/>
+                <a14:useLocalDpi xmlns:a14="http://schemas.microsoft.com/office/drawing/2010/main"/>
               </a:ext>
             </a:extLst>
           </a:blip>
@@ -3638,7 +3638,7 @@
           <a:blip r:embed="rId2">
             <a:extLst>
               <a:ext uri="{28A0092B-C50C-407E-A947-70E740481C1C}">
-                <a14:useLocalDpi xmlns:a14="http://schemas.microsoft.com/office/drawing/2010/main" val="0"/>
+                <a14:useLocalDpi xmlns:a14="http://schemas.microsoft.com/office/drawing/2010/main"/>
               </a:ext>
             </a:extLst>
           </a:blip>
@@ -3670,8 +3670,14 @@
           <p:nvPr/>
         </p:nvPicPr>
         <p:blipFill rotWithShape="1">
-          <a:blip r:embed="rId3"/>
-          <a:srcRect l="6414" t="2381" r="66579" b="33144"/>
+          <a:blip r:embed="rId3" cstate="screen">
+            <a:extLst>
+              <a:ext uri="{28A0092B-C50C-407E-A947-70E740481C1C}">
+                <a14:useLocalDpi xmlns:a14="http://schemas.microsoft.com/office/drawing/2010/main"/>
+              </a:ext>
+            </a:extLst>
+          </a:blip>
+          <a:srcRect/>
           <a:stretch/>
         </p:blipFill>
         <p:spPr>
@@ -4143,14 +4149,14 @@
           <p:nvPr/>
         </p:nvPicPr>
         <p:blipFill rotWithShape="1">
-          <a:blip r:embed="rId2">
+          <a:blip r:embed="rId2" cstate="screen">
             <a:extLst>
               <a:ext uri="{28A0092B-C50C-407E-A947-70E740481C1C}">
-                <a14:useLocalDpi xmlns:a14="http://schemas.microsoft.com/office/drawing/2010/main" val="0"/>
+                <a14:useLocalDpi xmlns:a14="http://schemas.microsoft.com/office/drawing/2010/main"/>
               </a:ext>
             </a:extLst>
           </a:blip>
-          <a:srcRect t="61522" r="1482"/>
+          <a:srcRect/>
           <a:stretch/>
         </p:blipFill>
         <p:spPr>
@@ -4291,7 +4297,7 @@
           <a:blip r:embed="rId2">
             <a:extLst>
               <a:ext uri="{28A0092B-C50C-407E-A947-70E740481C1C}">
-                <a14:useLocalDpi xmlns:a14="http://schemas.microsoft.com/office/drawing/2010/main" val="0"/>
+                <a14:useLocalDpi xmlns:a14="http://schemas.microsoft.com/office/drawing/2010/main"/>
               </a:ext>
             </a:extLst>
           </a:blip>
@@ -4517,31 +4523,59 @@
           <a:lstStyle/>
           <a:p>
             <a:r>
-              <a:rPr lang="en-GB" dirty="0"/>
+              <a:rPr lang="en-GB" dirty="0">
+                <a:solidFill>
+                  <a:srgbClr val="FF0000"/>
+                </a:solidFill>
+              </a:rPr>
               <a:t>cp -</a:t>
             </a:r>
             <a:r>
-              <a:rPr lang="en-GB" dirty="0" err="1"/>
+              <a:rPr lang="en-GB" dirty="0" err="1">
+                <a:solidFill>
+                  <a:srgbClr val="FF0000"/>
+                </a:solidFill>
+              </a:rPr>
               <a:t>rv</a:t>
             </a:r>
             <a:r>
-              <a:rPr lang="en-GB" dirty="0"/>
+              <a:rPr lang="en-GB" dirty="0">
+                <a:solidFill>
+                  <a:srgbClr val="FF0000"/>
+                </a:solidFill>
+              </a:rPr>
               <a:t> /shelf/</a:t>
             </a:r>
             <a:r>
-              <a:rPr lang="en-GB" dirty="0" err="1"/>
+              <a:rPr lang="en-GB" dirty="0" err="1">
+                <a:solidFill>
+                  <a:srgbClr val="FF0000"/>
+                </a:solidFill>
+              </a:rPr>
               <a:t>Computational_Genomics</a:t>
             </a:r>
             <a:r>
-              <a:rPr lang="en-GB" dirty="0"/>
+              <a:rPr lang="en-GB" dirty="0">
+                <a:solidFill>
+                  <a:srgbClr val="FF0000"/>
+                </a:solidFill>
+              </a:rPr>
               <a:t>/</a:t>
             </a:r>
             <a:r>
-              <a:rPr lang="en-GB" dirty="0" err="1"/>
+              <a:rPr lang="en-GB" dirty="0" err="1">
+                <a:solidFill>
+                  <a:srgbClr val="FF0000"/>
+                </a:solidFill>
+              </a:rPr>
               <a:t>genome_assembly_workshop</a:t>
             </a:r>
             <a:r>
-              <a:rPr lang="en-GB" dirty="0"/>
+              <a:rPr lang="en-GB" dirty="0">
+                <a:solidFill>
+                  <a:srgbClr val="FF0000"/>
+                </a:solidFill>
+              </a:rPr>
               <a:t>/ ~/</a:t>
             </a:r>
           </a:p>
@@ -4559,10 +4593,81 @@
               <a:buNone/>
             </a:pPr>
             <a:r>
-              <a:rPr lang="fr-FR" dirty="0"/>
+              <a:rPr lang="fr-FR" dirty="0">
+                <a:solidFill>
+                  <a:srgbClr val="FF0000"/>
+                </a:solidFill>
+              </a:rPr>
               <a:t>. /shelf/apps/pjt6/conda/etc/profile.d/conda.sh</a:t>
             </a:r>
-            <a:endParaRPr lang="en-US" dirty="0"/>
+          </a:p>
+          <a:p>
+            <a:pPr marL="0" indent="0">
+              <a:buNone/>
+            </a:pPr>
+            <a:endParaRPr lang="fr-FR" dirty="0">
+              <a:solidFill>
+                <a:srgbClr val="FF0000"/>
+              </a:solidFill>
+            </a:endParaRPr>
+          </a:p>
+          <a:p>
+            <a:pPr marL="0" indent="0">
+              <a:buNone/>
+            </a:pPr>
+            <a:r>
+              <a:rPr lang="fr-FR" b="1" dirty="0"/>
+              <a:t>You </a:t>
+            </a:r>
+            <a:r>
+              <a:rPr lang="fr-FR" b="1" dirty="0" err="1"/>
+              <a:t>should</a:t>
+            </a:r>
+            <a:r>
+              <a:rPr lang="fr-FR" b="1" dirty="0"/>
+              <a:t> all have </a:t>
+            </a:r>
+            <a:r>
+              <a:rPr lang="fr-FR" b="1" dirty="0" err="1"/>
+              <a:t>connected</a:t>
+            </a:r>
+            <a:r>
+              <a:rPr lang="fr-FR" b="1" dirty="0"/>
+              <a:t> </a:t>
+            </a:r>
+            <a:r>
+              <a:rPr lang="fr-FR" b="1" dirty="0" err="1"/>
+              <a:t>beofre</a:t>
+            </a:r>
+            <a:r>
+              <a:rPr lang="fr-FR" b="1" dirty="0"/>
+              <a:t>, </a:t>
+            </a:r>
+            <a:r>
+              <a:rPr lang="fr-FR" b="1" dirty="0" err="1"/>
+              <a:t>so</a:t>
+            </a:r>
+            <a:r>
+              <a:rPr lang="fr-FR" b="1" dirty="0"/>
+              <a:t> </a:t>
+            </a:r>
+            <a:r>
+              <a:rPr lang="fr-FR" b="1" dirty="0" err="1"/>
+              <a:t>we</a:t>
+            </a:r>
+            <a:r>
+              <a:rPr lang="fr-FR" b="1" dirty="0"/>
+              <a:t> can end part session </a:t>
+            </a:r>
+            <a:r>
+              <a:rPr lang="fr-FR" b="1" dirty="0" err="1"/>
+              <a:t>here</a:t>
+            </a:r>
+            <a:r>
+              <a:rPr lang="fr-FR" b="1" dirty="0"/>
+              <a:t>. </a:t>
+            </a:r>
+            <a:endParaRPr lang="en-US" b="1" dirty="0"/>
           </a:p>
         </p:txBody>
       </p:sp>

--- a/powerpoint/2_Getting_connected.pptx
+++ b/powerpoint/2_Getting_connected.pptx
@@ -266,7 +266,7 @@
           <a:p>
             <a:fld id="{A533EB26-2E25-4466-BA1F-4ED20A958A47}" type="datetimeFigureOut">
               <a:rPr lang="en-GB" smtClean="0"/>
-              <a:t>05/10/2020</a:t>
+              <a:t>21/09/2022</a:t>
             </a:fld>
             <a:endParaRPr lang="en-GB"/>
           </a:p>
@@ -466,7 +466,7 @@
           <a:p>
             <a:fld id="{A533EB26-2E25-4466-BA1F-4ED20A958A47}" type="datetimeFigureOut">
               <a:rPr lang="en-GB" smtClean="0"/>
-              <a:t>05/10/2020</a:t>
+              <a:t>21/09/2022</a:t>
             </a:fld>
             <a:endParaRPr lang="en-GB"/>
           </a:p>
@@ -676,7 +676,7 @@
           <a:p>
             <a:fld id="{A533EB26-2E25-4466-BA1F-4ED20A958A47}" type="datetimeFigureOut">
               <a:rPr lang="en-GB" smtClean="0"/>
-              <a:t>05/10/2020</a:t>
+              <a:t>21/09/2022</a:t>
             </a:fld>
             <a:endParaRPr lang="en-GB"/>
           </a:p>
@@ -876,7 +876,7 @@
           <a:p>
             <a:fld id="{A533EB26-2E25-4466-BA1F-4ED20A958A47}" type="datetimeFigureOut">
               <a:rPr lang="en-GB" smtClean="0"/>
-              <a:t>05/10/2020</a:t>
+              <a:t>21/09/2022</a:t>
             </a:fld>
             <a:endParaRPr lang="en-GB"/>
           </a:p>
@@ -1152,7 +1152,7 @@
           <a:p>
             <a:fld id="{A533EB26-2E25-4466-BA1F-4ED20A958A47}" type="datetimeFigureOut">
               <a:rPr lang="en-GB" smtClean="0"/>
-              <a:t>05/10/2020</a:t>
+              <a:t>21/09/2022</a:t>
             </a:fld>
             <a:endParaRPr lang="en-GB"/>
           </a:p>
@@ -1420,7 +1420,7 @@
           <a:p>
             <a:fld id="{A533EB26-2E25-4466-BA1F-4ED20A958A47}" type="datetimeFigureOut">
               <a:rPr lang="en-GB" smtClean="0"/>
-              <a:t>05/10/2020</a:t>
+              <a:t>21/09/2022</a:t>
             </a:fld>
             <a:endParaRPr lang="en-GB"/>
           </a:p>
@@ -1835,7 +1835,7 @@
           <a:p>
             <a:fld id="{A533EB26-2E25-4466-BA1F-4ED20A958A47}" type="datetimeFigureOut">
               <a:rPr lang="en-GB" smtClean="0"/>
-              <a:t>05/10/2020</a:t>
+              <a:t>21/09/2022</a:t>
             </a:fld>
             <a:endParaRPr lang="en-GB"/>
           </a:p>
@@ -1977,7 +1977,7 @@
           <a:p>
             <a:fld id="{A533EB26-2E25-4466-BA1F-4ED20A958A47}" type="datetimeFigureOut">
               <a:rPr lang="en-GB" smtClean="0"/>
-              <a:t>05/10/2020</a:t>
+              <a:t>21/09/2022</a:t>
             </a:fld>
             <a:endParaRPr lang="en-GB"/>
           </a:p>
@@ -2090,7 +2090,7 @@
           <a:p>
             <a:fld id="{A533EB26-2E25-4466-BA1F-4ED20A958A47}" type="datetimeFigureOut">
               <a:rPr lang="en-GB" smtClean="0"/>
-              <a:t>05/10/2020</a:t>
+              <a:t>21/09/2022</a:t>
             </a:fld>
             <a:endParaRPr lang="en-GB"/>
           </a:p>
@@ -2403,7 +2403,7 @@
           <a:p>
             <a:fld id="{A533EB26-2E25-4466-BA1F-4ED20A958A47}" type="datetimeFigureOut">
               <a:rPr lang="en-GB" smtClean="0"/>
-              <a:t>05/10/2020</a:t>
+              <a:t>21/09/2022</a:t>
             </a:fld>
             <a:endParaRPr lang="en-GB"/>
           </a:p>
@@ -2692,7 +2692,7 @@
           <a:p>
             <a:fld id="{A533EB26-2E25-4466-BA1F-4ED20A958A47}" type="datetimeFigureOut">
               <a:rPr lang="en-GB" smtClean="0"/>
-              <a:t>05/10/2020</a:t>
+              <a:t>21/09/2022</a:t>
             </a:fld>
             <a:endParaRPr lang="en-GB"/>
           </a:p>
@@ -2935,7 +2935,7 @@
           <a:p>
             <a:fld id="{A533EB26-2E25-4466-BA1F-4ED20A958A47}" type="datetimeFigureOut">
               <a:rPr lang="en-GB" smtClean="0"/>
-              <a:t>05/10/2020</a:t>
+              <a:t>21/09/2022</a:t>
             </a:fld>
             <a:endParaRPr lang="en-GB"/>
           </a:p>
@@ -4107,7 +4107,15 @@
           <a:p>
             <a:r>
               <a:rPr lang="en-GB" dirty="0"/>
-              <a:t>Type:  </a:t>
+              <a:t>Type (for </a:t>
+            </a:r>
+            <a:r>
+              <a:rPr lang="en-GB" dirty="0" err="1"/>
+              <a:t>marvin</a:t>
+            </a:r>
+            <a:r>
+              <a:rPr lang="en-GB" dirty="0"/>
+              <a:t>):  </a:t>
             </a:r>
             <a:r>
               <a:rPr lang="en-GB" dirty="0" err="1">
@@ -4123,8 +4131,123 @@
                   <a:schemeClr val="accent1"/>
                 </a:solidFill>
               </a:rPr>
-              <a:t> USERNAME@marvin.st-andrews.ac.uk</a:t>
-            </a:r>
+              <a:t> </a:t>
+            </a:r>
+            <a:r>
+              <a:rPr lang="en-GB" dirty="0">
+                <a:solidFill>
+                  <a:schemeClr val="accent1"/>
+                </a:solidFill>
+                <a:hlinkClick r:id="rId2"/>
+              </a:rPr>
+              <a:t>USERNAME@marvin.st-andrews.ac.uk</a:t>
+            </a:r>
+            <a:endParaRPr lang="en-GB" dirty="0">
+              <a:solidFill>
+                <a:schemeClr val="accent1"/>
+              </a:solidFill>
+            </a:endParaRPr>
+          </a:p>
+          <a:p>
+            <a:r>
+              <a:rPr lang="en-GB" dirty="0"/>
+              <a:t>For </a:t>
+            </a:r>
+            <a:r>
+              <a:rPr lang="en-GB" dirty="0" err="1"/>
+              <a:t>kennedy</a:t>
+            </a:r>
+            <a:r>
+              <a:rPr lang="en-GB" dirty="0"/>
+              <a:t> (</a:t>
+            </a:r>
+            <a:r>
+              <a:rPr lang="en-GB" dirty="0" err="1"/>
+              <a:t>mobaxterm</a:t>
+            </a:r>
+            <a:r>
+              <a:rPr lang="en-GB" dirty="0"/>
+              <a:t>)</a:t>
+            </a:r>
+            <a:r>
+              <a:rPr lang="en-GB" dirty="0">
+                <a:solidFill>
+                  <a:schemeClr val="accent1"/>
+                </a:solidFill>
+              </a:rPr>
+              <a:t>: </a:t>
+            </a:r>
+            <a:r>
+              <a:rPr lang="en-GB" dirty="0" err="1">
+                <a:solidFill>
+                  <a:schemeClr val="accent1"/>
+                </a:solidFill>
+              </a:rPr>
+              <a:t>ssh</a:t>
+            </a:r>
+            <a:r>
+              <a:rPr lang="en-GB" dirty="0">
+                <a:solidFill>
+                  <a:schemeClr val="accent1"/>
+                </a:solidFill>
+              </a:rPr>
+              <a:t> -</a:t>
+            </a:r>
+            <a:r>
+              <a:rPr lang="en-GB" dirty="0" err="1">
+                <a:solidFill>
+                  <a:schemeClr val="accent1"/>
+                </a:solidFill>
+              </a:rPr>
+              <a:t>i</a:t>
+            </a:r>
+            <a:r>
+              <a:rPr lang="en-GB" dirty="0">
+                <a:solidFill>
+                  <a:schemeClr val="accent1"/>
+                </a:solidFill>
+              </a:rPr>
+              <a:t> /drives/c/Users/USERNAME/.</a:t>
+            </a:r>
+            <a:r>
+              <a:rPr lang="en-GB" dirty="0" err="1">
+                <a:solidFill>
+                  <a:schemeClr val="accent1"/>
+                </a:solidFill>
+              </a:rPr>
+              <a:t>ssh</a:t>
+            </a:r>
+            <a:r>
+              <a:rPr lang="en-GB" dirty="0">
+                <a:solidFill>
+                  <a:schemeClr val="accent1"/>
+                </a:solidFill>
+              </a:rPr>
+              <a:t>/</a:t>
+            </a:r>
+            <a:r>
+              <a:rPr lang="en-GB" dirty="0" err="1">
+                <a:solidFill>
+                  <a:schemeClr val="accent1"/>
+                </a:solidFill>
+              </a:rPr>
+              <a:t>putty_priv.ppk</a:t>
+            </a:r>
+            <a:r>
+              <a:rPr lang="en-GB" dirty="0">
+                <a:solidFill>
+                  <a:schemeClr val="accent1"/>
+                </a:solidFill>
+              </a:rPr>
+              <a:t> USERNAME@kennedy.st-andrews.ac.uk</a:t>
+            </a:r>
+          </a:p>
+          <a:p>
+            <a:endParaRPr lang="en-GB" dirty="0">
+              <a:solidFill>
+                <a:schemeClr val="accent1"/>
+              </a:solidFill>
+            </a:endParaRPr>
           </a:p>
           <a:p>
             <a:r>
@@ -4149,7 +4272,7 @@
           <p:nvPr/>
         </p:nvPicPr>
         <p:blipFill rotWithShape="1">
-          <a:blip r:embed="rId2" cstate="screen">
+          <a:blip r:embed="rId3" cstate="screen">
             <a:extLst>
               <a:ext uri="{28A0092B-C50C-407E-A947-70E740481C1C}">
                 <a14:useLocalDpi xmlns:a14="http://schemas.microsoft.com/office/drawing/2010/main"/>
@@ -4161,7 +4284,7 @@
         </p:blipFill>
         <p:spPr>
           <a:xfrm>
-            <a:off x="1397000" y="3383280"/>
+            <a:off x="867833" y="4713288"/>
             <a:ext cx="10206567" cy="2144712"/>
           </a:xfrm>
           <a:prstGeom prst="rect">
@@ -4514,8 +4637,8 @@
         </p:nvSpPr>
         <p:spPr>
           <a:xfrm>
-            <a:off x="401052" y="1253331"/>
-            <a:ext cx="11404868" cy="4351338"/>
+            <a:off x="401051" y="1253331"/>
+            <a:ext cx="11591079" cy="4351338"/>
           </a:xfrm>
         </p:spPr>
         <p:txBody>
@@ -4523,7 +4646,7 @@
           <a:lstStyle/>
           <a:p>
             <a:r>
-              <a:rPr lang="en-GB" dirty="0">
+              <a:rPr lang="en-GB" sz="2400" dirty="0">
                 <a:solidFill>
                   <a:srgbClr val="FF0000"/>
                 </a:solidFill>
@@ -4531,7 +4654,7 @@
               <a:t>cp -</a:t>
             </a:r>
             <a:r>
-              <a:rPr lang="en-GB" dirty="0" err="1">
+              <a:rPr lang="en-GB" sz="2400" dirty="0" err="1">
                 <a:solidFill>
                   <a:srgbClr val="FF0000"/>
                 </a:solidFill>
@@ -4539,23 +4662,109 @@
               <a:t>rv</a:t>
             </a:r>
             <a:r>
-              <a:rPr lang="en-GB" dirty="0">
+              <a:rPr lang="en-GB" sz="2400" dirty="0">
                 <a:solidFill>
                   <a:srgbClr val="FF0000"/>
                 </a:solidFill>
               </a:rPr>
-              <a:t> /shelf/</a:t>
-            </a:r>
-            <a:r>
-              <a:rPr lang="en-GB" dirty="0" err="1">
+              <a:t> /scratch/</a:t>
+            </a:r>
+            <a:r>
+              <a:rPr lang="en-GB" sz="2400" dirty="0" err="1">
                 <a:solidFill>
                   <a:srgbClr val="FF0000"/>
                 </a:solidFill>
               </a:rPr>
-              <a:t>Computational_Genomics</a:t>
-            </a:r>
-            <a:r>
-              <a:rPr lang="en-GB" dirty="0">
+              <a:t>bioinf</a:t>
+            </a:r>
+            <a:r>
+              <a:rPr lang="en-GB" sz="2400" dirty="0">
+                <a:solidFill>
+                  <a:srgbClr val="FF0000"/>
+                </a:solidFill>
+              </a:rPr>
+              <a:t>/BL4273/</a:t>
+            </a:r>
+            <a:r>
+              <a:rPr lang="en-GB" sz="2400" dirty="0" err="1">
+                <a:solidFill>
+                  <a:srgbClr val="FF0000"/>
+                </a:solidFill>
+              </a:rPr>
+              <a:t>genome_assembly_workshop</a:t>
+            </a:r>
+            <a:r>
+              <a:rPr lang="en-GB" sz="2400" dirty="0">
+                <a:solidFill>
+                  <a:srgbClr val="FF0000"/>
+                </a:solidFill>
+              </a:rPr>
+              <a:t> ~/scratch/</a:t>
+            </a:r>
+            <a:r>
+              <a:rPr lang="en-GB" sz="2400" dirty="0" err="1">
+                <a:solidFill>
+                  <a:srgbClr val="FF0000"/>
+                </a:solidFill>
+              </a:rPr>
+              <a:t>bioinf</a:t>
+            </a:r>
+            <a:r>
+              <a:rPr lang="en-GB" sz="2400" dirty="0">
+                <a:solidFill>
+                  <a:srgbClr val="FF0000"/>
+                </a:solidFill>
+              </a:rPr>
+              <a:t>/${USER}</a:t>
+            </a:r>
+          </a:p>
+          <a:p>
+            <a:endParaRPr lang="en-GB" dirty="0"/>
+          </a:p>
+          <a:p>
+            <a:r>
+              <a:rPr lang="en-GB" dirty="0"/>
+              <a:t>Make sure you have the software ready to use</a:t>
+            </a:r>
+          </a:p>
+          <a:p>
+            <a:pPr marL="0" indent="0">
+              <a:buNone/>
+            </a:pPr>
+            <a:r>
+              <a:rPr lang="fr-FR" sz="2000" dirty="0">
+                <a:solidFill>
+                  <a:srgbClr val="FF0000"/>
+                </a:solidFill>
+              </a:rPr>
+              <a:t>export PATH=/gpfs1/scratch/</a:t>
+            </a:r>
+            <a:r>
+              <a:rPr lang="fr-FR" sz="2000" dirty="0" err="1">
+                <a:solidFill>
+                  <a:srgbClr val="FF0000"/>
+                </a:solidFill>
+              </a:rPr>
+              <a:t>bioinf</a:t>
+            </a:r>
+            <a:r>
+              <a:rPr lang="fr-FR" sz="2000" dirty="0">
+                <a:solidFill>
+                  <a:srgbClr val="FF0000"/>
+                </a:solidFill>
+              </a:rPr>
+              <a:t>/BL4273/</a:t>
+            </a:r>
+            <a:r>
+              <a:rPr lang="fr-FR" sz="2000" dirty="0" err="1">
+                <a:solidFill>
+                  <a:srgbClr val="FF0000"/>
+                </a:solidFill>
+              </a:rPr>
+              <a:t>conda</a:t>
+            </a:r>
+            <a:r>
+              <a:rPr lang="fr-FR" sz="2000" dirty="0">
                 <a:solidFill>
                   <a:srgbClr val="FF0000"/>
                 </a:solidFill>
@@ -4563,49 +4772,43 @@
               <a:t>/</a:t>
             </a:r>
             <a:r>
-              <a:rPr lang="en-GB" dirty="0" err="1">
+              <a:rPr lang="fr-FR" sz="2000" dirty="0" err="1">
                 <a:solidFill>
                   <a:srgbClr val="FF0000"/>
                 </a:solidFill>
               </a:rPr>
-              <a:t>genome_assembly_workshop</a:t>
-            </a:r>
-            <a:r>
-              <a:rPr lang="en-GB" dirty="0">
+              <a:t>envs</a:t>
+            </a:r>
+            <a:r>
+              <a:rPr lang="fr-FR" sz="2000" dirty="0">
                 <a:solidFill>
                   <a:srgbClr val="FF0000"/>
                 </a:solidFill>
               </a:rPr>
-              <a:t>/ ~/</a:t>
-            </a:r>
-          </a:p>
-          <a:p>
-            <a:endParaRPr lang="en-GB" dirty="0"/>
-          </a:p>
-          <a:p>
-            <a:r>
-              <a:rPr lang="en-GB" dirty="0"/>
-              <a:t>Make sure you have the software ready to use (note dot space):</a:t>
+              <a:t>/</a:t>
+            </a:r>
+            <a:r>
+              <a:rPr lang="fr-FR" sz="2000" dirty="0" err="1">
+                <a:solidFill>
+                  <a:srgbClr val="FF0000"/>
+                </a:solidFill>
+              </a:rPr>
+              <a:t>genome_workshop</a:t>
+            </a:r>
+            <a:r>
+              <a:rPr lang="fr-FR" sz="2000" dirty="0">
+                <a:solidFill>
+                  <a:srgbClr val="FF0000"/>
+                </a:solidFill>
+              </a:rPr>
+              <a:t>/bin/:$PATH</a:t>
             </a:r>
           </a:p>
           <a:p>
             <a:pPr marL="0" indent="0">
               <a:buNone/>
             </a:pPr>
-            <a:r>
-              <a:rPr lang="fr-FR" dirty="0">
-                <a:solidFill>
-                  <a:srgbClr val="FF0000"/>
-                </a:solidFill>
-              </a:rPr>
-              <a:t>. /shelf/apps/pjt6/conda/etc/profile.d/conda.sh</a:t>
-            </a:r>
-          </a:p>
-          <a:p>
-            <a:pPr marL="0" indent="0">
-              <a:buNone/>
-            </a:pPr>
-            <a:endParaRPr lang="fr-FR" dirty="0">
+            <a:endParaRPr lang="fr-FR" sz="2000" dirty="0">
               <a:solidFill>
                 <a:srgbClr val="FF0000"/>
               </a:solidFill>
@@ -4637,7 +4840,7 @@
             </a:r>
             <a:r>
               <a:rPr lang="fr-FR" b="1" dirty="0" err="1"/>
-              <a:t>beofre</a:t>
+              <a:t>before</a:t>
             </a:r>
             <a:r>
               <a:rPr lang="fr-FR" b="1" dirty="0"/>
